--- a/assets/profile.pptx
+++ b/assets/profile.pptx
@@ -104,6 +104,22 @@
       </a:defRPr>
     </a:lvl9pPr>
   </p:defaultTextStyle>
+  <p:extLst>
+    <p:ext uri="{EFAFB233-063F-42B5-8137-9DF3F51BA10A}">
+      <p15:sldGuideLst xmlns:p15="http://schemas.microsoft.com/office/powerpoint/2012/main">
+        <p15:guide id="1" orient="horz" pos="2160" userDrawn="1">
+          <p15:clr>
+            <a:srgbClr val="A4A3A4"/>
+          </p15:clr>
+        </p15:guide>
+        <p15:guide id="2" pos="3840" userDrawn="1">
+          <p15:clr>
+            <a:srgbClr val="A4A3A4"/>
+          </p15:clr>
+        </p15:guide>
+      </p15:sldGuideLst>
+    </p:ext>
+  </p:extLst>
 </p:presentation>
 </file>
 
@@ -254,7 +270,7 @@
           <a:p>
             <a:fld id="{91918A60-CD87-4C1E-BDF5-65F3F1D62B9D}" type="datetimeFigureOut">
               <a:rPr lang="ko-KR" altLang="en-US" smtClean="0"/>
-              <a:t>2020-07-29</a:t>
+              <a:t>2020-07-30</a:t>
             </a:fld>
             <a:endParaRPr lang="ko-KR" altLang="en-US"/>
           </a:p>
@@ -452,7 +468,7 @@
           <a:p>
             <a:fld id="{91918A60-CD87-4C1E-BDF5-65F3F1D62B9D}" type="datetimeFigureOut">
               <a:rPr lang="ko-KR" altLang="en-US" smtClean="0"/>
-              <a:t>2020-07-29</a:t>
+              <a:t>2020-07-30</a:t>
             </a:fld>
             <a:endParaRPr lang="ko-KR" altLang="en-US"/>
           </a:p>
@@ -660,7 +676,7 @@
           <a:p>
             <a:fld id="{91918A60-CD87-4C1E-BDF5-65F3F1D62B9D}" type="datetimeFigureOut">
               <a:rPr lang="ko-KR" altLang="en-US" smtClean="0"/>
-              <a:t>2020-07-29</a:t>
+              <a:t>2020-07-30</a:t>
             </a:fld>
             <a:endParaRPr lang="ko-KR" altLang="en-US"/>
           </a:p>
@@ -858,7 +874,7 @@
           <a:p>
             <a:fld id="{91918A60-CD87-4C1E-BDF5-65F3F1D62B9D}" type="datetimeFigureOut">
               <a:rPr lang="ko-KR" altLang="en-US" smtClean="0"/>
-              <a:t>2020-07-29</a:t>
+              <a:t>2020-07-30</a:t>
             </a:fld>
             <a:endParaRPr lang="ko-KR" altLang="en-US"/>
           </a:p>
@@ -1133,7 +1149,7 @@
           <a:p>
             <a:fld id="{91918A60-CD87-4C1E-BDF5-65F3F1D62B9D}" type="datetimeFigureOut">
               <a:rPr lang="ko-KR" altLang="en-US" smtClean="0"/>
-              <a:t>2020-07-29</a:t>
+              <a:t>2020-07-30</a:t>
             </a:fld>
             <a:endParaRPr lang="ko-KR" altLang="en-US"/>
           </a:p>
@@ -1398,7 +1414,7 @@
           <a:p>
             <a:fld id="{91918A60-CD87-4C1E-BDF5-65F3F1D62B9D}" type="datetimeFigureOut">
               <a:rPr lang="ko-KR" altLang="en-US" smtClean="0"/>
-              <a:t>2020-07-29</a:t>
+              <a:t>2020-07-30</a:t>
             </a:fld>
             <a:endParaRPr lang="ko-KR" altLang="en-US"/>
           </a:p>
@@ -1810,7 +1826,7 @@
           <a:p>
             <a:fld id="{91918A60-CD87-4C1E-BDF5-65F3F1D62B9D}" type="datetimeFigureOut">
               <a:rPr lang="ko-KR" altLang="en-US" smtClean="0"/>
-              <a:t>2020-07-29</a:t>
+              <a:t>2020-07-30</a:t>
             </a:fld>
             <a:endParaRPr lang="ko-KR" altLang="en-US"/>
           </a:p>
@@ -1951,7 +1967,7 @@
           <a:p>
             <a:fld id="{91918A60-CD87-4C1E-BDF5-65F3F1D62B9D}" type="datetimeFigureOut">
               <a:rPr lang="ko-KR" altLang="en-US" smtClean="0"/>
-              <a:t>2020-07-29</a:t>
+              <a:t>2020-07-30</a:t>
             </a:fld>
             <a:endParaRPr lang="ko-KR" altLang="en-US"/>
           </a:p>
@@ -2064,7 +2080,7 @@
           <a:p>
             <a:fld id="{91918A60-CD87-4C1E-BDF5-65F3F1D62B9D}" type="datetimeFigureOut">
               <a:rPr lang="ko-KR" altLang="en-US" smtClean="0"/>
-              <a:t>2020-07-29</a:t>
+              <a:t>2020-07-30</a:t>
             </a:fld>
             <a:endParaRPr lang="ko-KR" altLang="en-US"/>
           </a:p>
@@ -2375,7 +2391,7 @@
           <a:p>
             <a:fld id="{91918A60-CD87-4C1E-BDF5-65F3F1D62B9D}" type="datetimeFigureOut">
               <a:rPr lang="ko-KR" altLang="en-US" smtClean="0"/>
-              <a:t>2020-07-29</a:t>
+              <a:t>2020-07-30</a:t>
             </a:fld>
             <a:endParaRPr lang="ko-KR" altLang="en-US"/>
           </a:p>
@@ -2663,7 +2679,7 @@
           <a:p>
             <a:fld id="{91918A60-CD87-4C1E-BDF5-65F3F1D62B9D}" type="datetimeFigureOut">
               <a:rPr lang="ko-KR" altLang="en-US" smtClean="0"/>
-              <a:t>2020-07-29</a:t>
+              <a:t>2020-07-30</a:t>
             </a:fld>
             <a:endParaRPr lang="ko-KR" altLang="en-US"/>
           </a:p>
@@ -2904,7 +2920,7 @@
           <a:p>
             <a:fld id="{91918A60-CD87-4C1E-BDF5-65F3F1D62B9D}" type="datetimeFigureOut">
               <a:rPr lang="ko-KR" altLang="en-US" smtClean="0"/>
-              <a:t>2020-07-29</a:t>
+              <a:t>2020-07-30</a:t>
             </a:fld>
             <a:endParaRPr lang="ko-KR" altLang="en-US"/>
           </a:p>
@@ -3371,6 +3387,55 @@
           </a:p>
         </p:txBody>
       </p:sp>
+      <p:sp>
+        <p:nvSpPr>
+          <p:cNvPr id="4" name="직사각형 3">
+            <a:extLst>
+              <a:ext uri="{FF2B5EF4-FFF2-40B4-BE49-F238E27FC236}">
+                <a16:creationId xmlns:a16="http://schemas.microsoft.com/office/drawing/2014/main" id="{7CF4E23B-70DE-47CA-97BF-0641DB97772E}"/>
+              </a:ext>
+            </a:extLst>
+          </p:cNvPr>
+          <p:cNvSpPr/>
+          <p:nvPr/>
+        </p:nvSpPr>
+        <p:spPr>
+          <a:xfrm>
+            <a:off x="0" y="-69802"/>
+            <a:ext cx="12410711" cy="7189558"/>
+          </a:xfrm>
+          <a:prstGeom prst="rect">
+            <a:avLst/>
+          </a:prstGeom>
+          <a:solidFill>
+            <a:schemeClr val="tx1"/>
+          </a:solidFill>
+        </p:spPr>
+        <p:style>
+          <a:lnRef idx="2">
+            <a:schemeClr val="accent1">
+              <a:shade val="50000"/>
+            </a:schemeClr>
+          </a:lnRef>
+          <a:fillRef idx="1">
+            <a:schemeClr val="accent1"/>
+          </a:fillRef>
+          <a:effectRef idx="0">
+            <a:schemeClr val="accent1"/>
+          </a:effectRef>
+          <a:fontRef idx="minor">
+            <a:schemeClr val="lt1"/>
+          </a:fontRef>
+        </p:style>
+        <p:txBody>
+          <a:bodyPr rtlCol="0" anchor="ctr"/>
+          <a:lstStyle/>
+          <a:p>
+            <a:pPr algn="ctr"/>
+            <a:endParaRPr lang="ko-KR" altLang="en-US"/>
+          </a:p>
+        </p:txBody>
+      </p:sp>
       <p:pic>
         <p:nvPicPr>
           <p:cNvPr id="5" name="그림 4" descr="사람, 의류, 착용, 가장이(가) 표시된 사진&#10;&#10;자동 생성된 설명">
@@ -3402,12 +3467,12 @@
               </a:ext>
             </a:extLst>
           </a:blip>
-          <a:srcRect t="2033" b="18192"/>
+          <a:srcRect l="-4112" t="1105" r="4112" b="19121"/>
           <a:stretch/>
         </p:blipFill>
         <p:spPr>
-          <a:xfrm>
-            <a:off x="790882" y="139484"/>
+          <a:xfrm rot="-60000">
+            <a:off x="3576000" y="0"/>
             <a:ext cx="5040000" cy="5040000"/>
           </a:xfrm>
           <a:prstGeom prst="ellipse">
